--- a/lectures/3-Bayes.pptx
+++ b/lectures/3-Bayes.pptx
@@ -4907,7 +4907,7 @@
           <a:p>
             <a:fld id="{E50CF968-FEF3-EB46-B83A-6265E01A661D}" type="datetimeFigureOut">
               <a:rPr lang="en-US" smtClean="0"/>
-              <a:t>5/15/20</a:t>
+              <a:t>5/30/20</a:t>
             </a:fld>
             <a:endParaRPr lang="en-US"/>
           </a:p>
@@ -5405,7 +5405,7 @@
           <a:p>
             <a:fld id="{8185FBBC-6FD9-0C44-8F9C-D1B26DF66FB3}" type="datetimeFigureOut">
               <a:rPr lang="en-US" smtClean="0"/>
-              <a:t>5/15/20</a:t>
+              <a:t>5/30/20</a:t>
             </a:fld>
             <a:endParaRPr lang="en-US"/>
           </a:p>
@@ -5603,7 +5603,7 @@
           <a:p>
             <a:fld id="{8185FBBC-6FD9-0C44-8F9C-D1B26DF66FB3}" type="datetimeFigureOut">
               <a:rPr lang="en-US" smtClean="0"/>
-              <a:t>5/15/20</a:t>
+              <a:t>5/30/20</a:t>
             </a:fld>
             <a:endParaRPr lang="en-US"/>
           </a:p>
@@ -5811,7 +5811,7 @@
           <a:p>
             <a:fld id="{8185FBBC-6FD9-0C44-8F9C-D1B26DF66FB3}" type="datetimeFigureOut">
               <a:rPr lang="en-US" smtClean="0"/>
-              <a:t>5/15/20</a:t>
+              <a:t>5/30/20</a:t>
             </a:fld>
             <a:endParaRPr lang="en-US"/>
           </a:p>
@@ -6009,7 +6009,7 @@
           <a:p>
             <a:fld id="{8185FBBC-6FD9-0C44-8F9C-D1B26DF66FB3}" type="datetimeFigureOut">
               <a:rPr lang="en-US" smtClean="0"/>
-              <a:t>5/15/20</a:t>
+              <a:t>5/30/20</a:t>
             </a:fld>
             <a:endParaRPr lang="en-US"/>
           </a:p>
@@ -6284,7 +6284,7 @@
           <a:p>
             <a:fld id="{8185FBBC-6FD9-0C44-8F9C-D1B26DF66FB3}" type="datetimeFigureOut">
               <a:rPr lang="en-US" smtClean="0"/>
-              <a:t>5/15/20</a:t>
+              <a:t>5/30/20</a:t>
             </a:fld>
             <a:endParaRPr lang="en-US"/>
           </a:p>
@@ -6549,7 +6549,7 @@
           <a:p>
             <a:fld id="{8185FBBC-6FD9-0C44-8F9C-D1B26DF66FB3}" type="datetimeFigureOut">
               <a:rPr lang="en-US" smtClean="0"/>
-              <a:t>5/15/20</a:t>
+              <a:t>5/30/20</a:t>
             </a:fld>
             <a:endParaRPr lang="en-US"/>
           </a:p>
@@ -6961,7 +6961,7 @@
           <a:p>
             <a:fld id="{8185FBBC-6FD9-0C44-8F9C-D1B26DF66FB3}" type="datetimeFigureOut">
               <a:rPr lang="en-US" smtClean="0"/>
-              <a:t>5/15/20</a:t>
+              <a:t>5/30/20</a:t>
             </a:fld>
             <a:endParaRPr lang="en-US"/>
           </a:p>
@@ -7102,7 +7102,7 @@
           <a:p>
             <a:fld id="{8185FBBC-6FD9-0C44-8F9C-D1B26DF66FB3}" type="datetimeFigureOut">
               <a:rPr lang="en-US" smtClean="0"/>
-              <a:t>5/15/20</a:t>
+              <a:t>5/30/20</a:t>
             </a:fld>
             <a:endParaRPr lang="en-US"/>
           </a:p>
@@ -7215,7 +7215,7 @@
           <a:p>
             <a:fld id="{8185FBBC-6FD9-0C44-8F9C-D1B26DF66FB3}" type="datetimeFigureOut">
               <a:rPr lang="en-US" smtClean="0"/>
-              <a:t>5/15/20</a:t>
+              <a:t>5/30/20</a:t>
             </a:fld>
             <a:endParaRPr lang="en-US"/>
           </a:p>
@@ -7526,7 +7526,7 @@
           <a:p>
             <a:fld id="{8185FBBC-6FD9-0C44-8F9C-D1B26DF66FB3}" type="datetimeFigureOut">
               <a:rPr lang="en-US" smtClean="0"/>
-              <a:t>5/15/20</a:t>
+              <a:t>5/30/20</a:t>
             </a:fld>
             <a:endParaRPr lang="en-US"/>
           </a:p>
@@ -7814,7 +7814,7 @@
           <a:p>
             <a:fld id="{8185FBBC-6FD9-0C44-8F9C-D1B26DF66FB3}" type="datetimeFigureOut">
               <a:rPr lang="en-US" smtClean="0"/>
-              <a:t>5/15/20</a:t>
+              <a:t>5/30/20</a:t>
             </a:fld>
             <a:endParaRPr lang="en-US"/>
           </a:p>
@@ -8055,7 +8055,7 @@
           <a:p>
             <a:fld id="{8185FBBC-6FD9-0C44-8F9C-D1B26DF66FB3}" type="datetimeFigureOut">
               <a:rPr lang="en-US" smtClean="0"/>
-              <a:t>5/15/20</a:t>
+              <a:t>5/30/20</a:t>
             </a:fld>
             <a:endParaRPr lang="en-US"/>
           </a:p>
@@ -8535,15 +8535,15 @@
               <a:t>University of Chicago</a:t>
             </a:r>
             <a:br>
-              <a:rPr lang="en-US" dirty="0"/>
+              <a:rPr lang="en-US"/>
             </a:br>
             <a:r>
               <a:rPr lang="en-US"/>
-              <a:t>Lecture 5: </a:t>
+              <a:t>Naïve </a:t>
             </a:r>
             <a:r>
               <a:rPr lang="en-US" dirty="0"/>
-              <a:t>Naïve Bayes Classification</a:t>
+              <a:t>Bayes Classification</a:t>
             </a:r>
           </a:p>
         </p:txBody>
